--- a/accounts-architecture.pptx
+++ b/accounts-architecture.pptx
@@ -7,12 +7,15 @@
   <p:sldIdLst>
     <p:sldId id="257" r:id="rId2"/>
     <p:sldId id="258" r:id="rId3"/>
-    <p:sldId id="256" r:id="rId4"/>
-    <p:sldId id="259" r:id="rId5"/>
-    <p:sldId id="260" r:id="rId6"/>
-    <p:sldId id="261" r:id="rId7"/>
-    <p:sldId id="263" r:id="rId8"/>
-    <p:sldId id="262" r:id="rId9"/>
+    <p:sldId id="265" r:id="rId4"/>
+    <p:sldId id="256" r:id="rId5"/>
+    <p:sldId id="266" r:id="rId6"/>
+    <p:sldId id="259" r:id="rId7"/>
+    <p:sldId id="260" r:id="rId8"/>
+    <p:sldId id="261" r:id="rId9"/>
+    <p:sldId id="263" r:id="rId10"/>
+    <p:sldId id="262" r:id="rId11"/>
+    <p:sldId id="264" r:id="rId12"/>
   </p:sldIdLst>
   <p:sldSz cx="12192000" cy="6858000"/>
   <p:notesSz cx="6858000" cy="9144000"/>
@@ -2986,7 +2989,7 @@
           <a:p>
             <a:fld id="{601E263F-6020-4FE7-B9A2-7F17B26A545F}" type="datetimeFigureOut">
               <a:rPr lang="de-AT" smtClean="0"/>
-              <a:t>25.04.2024</a:t>
+              <a:t>29.04.2024</a:t>
             </a:fld>
             <a:endParaRPr lang="de-AT"/>
           </a:p>
@@ -3186,7 +3189,7 @@
           <a:p>
             <a:fld id="{601E263F-6020-4FE7-B9A2-7F17B26A545F}" type="datetimeFigureOut">
               <a:rPr lang="de-AT" smtClean="0"/>
-              <a:t>25.04.2024</a:t>
+              <a:t>29.04.2024</a:t>
             </a:fld>
             <a:endParaRPr lang="de-AT"/>
           </a:p>
@@ -3396,7 +3399,7 @@
           <a:p>
             <a:fld id="{601E263F-6020-4FE7-B9A2-7F17B26A545F}" type="datetimeFigureOut">
               <a:rPr lang="de-AT" smtClean="0"/>
-              <a:t>25.04.2024</a:t>
+              <a:t>29.04.2024</a:t>
             </a:fld>
             <a:endParaRPr lang="de-AT"/>
           </a:p>
@@ -3596,7 +3599,7 @@
           <a:p>
             <a:fld id="{601E263F-6020-4FE7-B9A2-7F17B26A545F}" type="datetimeFigureOut">
               <a:rPr lang="de-AT" smtClean="0"/>
-              <a:t>25.04.2024</a:t>
+              <a:t>29.04.2024</a:t>
             </a:fld>
             <a:endParaRPr lang="de-AT"/>
           </a:p>
@@ -3872,7 +3875,7 @@
           <a:p>
             <a:fld id="{601E263F-6020-4FE7-B9A2-7F17B26A545F}" type="datetimeFigureOut">
               <a:rPr lang="de-AT" smtClean="0"/>
-              <a:t>25.04.2024</a:t>
+              <a:t>29.04.2024</a:t>
             </a:fld>
             <a:endParaRPr lang="de-AT"/>
           </a:p>
@@ -4140,7 +4143,7 @@
           <a:p>
             <a:fld id="{601E263F-6020-4FE7-B9A2-7F17B26A545F}" type="datetimeFigureOut">
               <a:rPr lang="de-AT" smtClean="0"/>
-              <a:t>25.04.2024</a:t>
+              <a:t>29.04.2024</a:t>
             </a:fld>
             <a:endParaRPr lang="de-AT"/>
           </a:p>
@@ -4555,7 +4558,7 @@
           <a:p>
             <a:fld id="{601E263F-6020-4FE7-B9A2-7F17B26A545F}" type="datetimeFigureOut">
               <a:rPr lang="de-AT" smtClean="0"/>
-              <a:t>25.04.2024</a:t>
+              <a:t>29.04.2024</a:t>
             </a:fld>
             <a:endParaRPr lang="de-AT"/>
           </a:p>
@@ -4697,7 +4700,7 @@
           <a:p>
             <a:fld id="{601E263F-6020-4FE7-B9A2-7F17B26A545F}" type="datetimeFigureOut">
               <a:rPr lang="de-AT" smtClean="0"/>
-              <a:t>25.04.2024</a:t>
+              <a:t>29.04.2024</a:t>
             </a:fld>
             <a:endParaRPr lang="de-AT"/>
           </a:p>
@@ -4810,7 +4813,7 @@
           <a:p>
             <a:fld id="{601E263F-6020-4FE7-B9A2-7F17B26A545F}" type="datetimeFigureOut">
               <a:rPr lang="de-AT" smtClean="0"/>
-              <a:t>25.04.2024</a:t>
+              <a:t>29.04.2024</a:t>
             </a:fld>
             <a:endParaRPr lang="de-AT"/>
           </a:p>
@@ -5123,7 +5126,7 @@
           <a:p>
             <a:fld id="{601E263F-6020-4FE7-B9A2-7F17B26A545F}" type="datetimeFigureOut">
               <a:rPr lang="de-AT" smtClean="0"/>
-              <a:t>25.04.2024</a:t>
+              <a:t>29.04.2024</a:t>
             </a:fld>
             <a:endParaRPr lang="de-AT"/>
           </a:p>
@@ -5412,7 +5415,7 @@
           <a:p>
             <a:fld id="{601E263F-6020-4FE7-B9A2-7F17B26A545F}" type="datetimeFigureOut">
               <a:rPr lang="de-AT" smtClean="0"/>
-              <a:t>25.04.2024</a:t>
+              <a:t>29.04.2024</a:t>
             </a:fld>
             <a:endParaRPr lang="de-AT"/>
           </a:p>
@@ -5655,7 +5658,7 @@
           <a:p>
             <a:fld id="{601E263F-6020-4FE7-B9A2-7F17B26A545F}" type="datetimeFigureOut">
               <a:rPr lang="de-AT" smtClean="0"/>
-              <a:t>25.04.2024</a:t>
+              <a:t>29.04.2024</a:t>
             </a:fld>
             <a:endParaRPr lang="de-AT"/>
           </a:p>
@@ -6164,6 +6167,441 @@
     <p:extLst>
       <p:ext uri="{BB962C8B-B14F-4D97-AF65-F5344CB8AC3E}">
         <p14:creationId xmlns:p14="http://schemas.microsoft.com/office/powerpoint/2010/main" val="1952852888"/>
+      </p:ext>
+    </p:extLst>
+  </p:cSld>
+  <p:clrMapOvr>
+    <a:masterClrMapping/>
+  </p:clrMapOvr>
+</p:sld>
+</file>
+
+<file path=ppt/slides/slide10.xml><?xml version="1.0" encoding="utf-8"?>
+<p:sld xmlns:a="http://schemas.openxmlformats.org/drawingml/2006/main" xmlns:r="http://schemas.openxmlformats.org/officeDocument/2006/relationships" xmlns:p="http://schemas.openxmlformats.org/presentationml/2006/main">
+  <p:cSld>
+    <p:spTree>
+      <p:nvGrpSpPr>
+        <p:cNvPr id="1" name=""/>
+        <p:cNvGrpSpPr/>
+        <p:nvPr/>
+      </p:nvGrpSpPr>
+      <p:grpSpPr>
+        <a:xfrm>
+          <a:off x="0" y="0"/>
+          <a:ext cx="0" cy="0"/>
+          <a:chOff x="0" y="0"/>
+          <a:chExt cx="0" cy="0"/>
+        </a:xfrm>
+      </p:grpSpPr>
+      <p:pic>
+        <p:nvPicPr>
+          <p:cNvPr id="9" name="Grafik 8">
+            <a:extLst>
+              <a:ext uri="{FF2B5EF4-FFF2-40B4-BE49-F238E27FC236}">
+                <a16:creationId xmlns:a16="http://schemas.microsoft.com/office/drawing/2014/main" id="{8E61344D-101E-1358-EDCE-243A1B901354}"/>
+              </a:ext>
+            </a:extLst>
+          </p:cNvPr>
+          <p:cNvPicPr>
+            <a:picLocks noChangeAspect="1"/>
+          </p:cNvPicPr>
+          <p:nvPr/>
+        </p:nvPicPr>
+        <p:blipFill>
+          <a:blip r:embed="rId2"/>
+          <a:stretch>
+            <a:fillRect/>
+          </a:stretch>
+        </p:blipFill>
+        <p:spPr>
+          <a:xfrm>
+            <a:off x="819356" y="364116"/>
+            <a:ext cx="3749365" cy="2187130"/>
+          </a:xfrm>
+          <a:prstGeom prst="rect">
+            <a:avLst/>
+          </a:prstGeom>
+        </p:spPr>
+      </p:pic>
+      <p:pic>
+        <p:nvPicPr>
+          <p:cNvPr id="11" name="Grafik 10">
+            <a:extLst>
+              <a:ext uri="{FF2B5EF4-FFF2-40B4-BE49-F238E27FC236}">
+                <a16:creationId xmlns:a16="http://schemas.microsoft.com/office/drawing/2014/main" id="{79C6001B-E5EB-E4D1-69A2-67241B210A40}"/>
+              </a:ext>
+            </a:extLst>
+          </p:cNvPr>
+          <p:cNvPicPr>
+            <a:picLocks noChangeAspect="1"/>
+          </p:cNvPicPr>
+          <p:nvPr/>
+        </p:nvPicPr>
+        <p:blipFill>
+          <a:blip r:embed="rId3"/>
+          <a:stretch>
+            <a:fillRect/>
+          </a:stretch>
+        </p:blipFill>
+        <p:spPr>
+          <a:xfrm>
+            <a:off x="5520909" y="364116"/>
+            <a:ext cx="5728043" cy="6129768"/>
+          </a:xfrm>
+          <a:prstGeom prst="rect">
+            <a:avLst/>
+          </a:prstGeom>
+        </p:spPr>
+      </p:pic>
+    </p:spTree>
+    <p:extLst>
+      <p:ext uri="{BB962C8B-B14F-4D97-AF65-F5344CB8AC3E}">
+        <p14:creationId xmlns:p14="http://schemas.microsoft.com/office/powerpoint/2010/main" val="3780622553"/>
+      </p:ext>
+    </p:extLst>
+  </p:cSld>
+  <p:clrMapOvr>
+    <a:masterClrMapping/>
+  </p:clrMapOvr>
+</p:sld>
+</file>
+
+<file path=ppt/slides/slide11.xml><?xml version="1.0" encoding="utf-8"?>
+<p:sld xmlns:a="http://schemas.openxmlformats.org/drawingml/2006/main" xmlns:r="http://schemas.openxmlformats.org/officeDocument/2006/relationships" xmlns:p="http://schemas.openxmlformats.org/presentationml/2006/main">
+  <p:cSld>
+    <p:spTree>
+      <p:nvGrpSpPr>
+        <p:cNvPr id="1" name=""/>
+        <p:cNvGrpSpPr/>
+        <p:nvPr/>
+      </p:nvGrpSpPr>
+      <p:grpSpPr>
+        <a:xfrm>
+          <a:off x="0" y="0"/>
+          <a:ext cx="0" cy="0"/>
+          <a:chOff x="0" y="0"/>
+          <a:chExt cx="0" cy="0"/>
+        </a:xfrm>
+      </p:grpSpPr>
+      <p:sp>
+        <p:nvSpPr>
+          <p:cNvPr id="5" name="Textfeld 4">
+            <a:extLst>
+              <a:ext uri="{FF2B5EF4-FFF2-40B4-BE49-F238E27FC236}">
+                <a16:creationId xmlns:a16="http://schemas.microsoft.com/office/drawing/2014/main" id="{F4C8A589-7F0D-2832-1746-D2E18B3975AF}"/>
+              </a:ext>
+            </a:extLst>
+          </p:cNvPr>
+          <p:cNvSpPr txBox="1"/>
+          <p:nvPr/>
+        </p:nvSpPr>
+        <p:spPr>
+          <a:xfrm>
+            <a:off x="891453" y="489816"/>
+            <a:ext cx="9827202" cy="6186309"/>
+          </a:xfrm>
+          <a:prstGeom prst="rect">
+            <a:avLst/>
+          </a:prstGeom>
+          <a:noFill/>
+        </p:spPr>
+        <p:txBody>
+          <a:bodyPr wrap="square">
+            <a:spAutoFit/>
+          </a:bodyPr>
+          <a:lstStyle/>
+          <a:p>
+            <a:endParaRPr lang="en-US" b="0" dirty="0">
+              <a:effectLst/>
+              <a:latin typeface="Consolas" panose="020B0609020204030204" pitchFamily="49" charset="0"/>
+            </a:endParaRPr>
+          </a:p>
+          <a:p>
+            <a:r>
+              <a:rPr lang="en-US" b="0" dirty="0">
+                <a:effectLst/>
+                <a:latin typeface="Consolas" panose="020B0609020204030204" pitchFamily="49" charset="0"/>
+              </a:rPr>
+              <a:t>create or replace function </a:t>
+            </a:r>
+            <a:r>
+              <a:rPr lang="en-US" b="0" dirty="0" err="1">
+                <a:effectLst/>
+                <a:latin typeface="Consolas" panose="020B0609020204030204" pitchFamily="49" charset="0"/>
+              </a:rPr>
+              <a:t>update_account_balance</a:t>
+            </a:r>
+            <a:r>
+              <a:rPr lang="en-US" b="0" dirty="0">
+                <a:effectLst/>
+                <a:latin typeface="Consolas" panose="020B0609020204030204" pitchFamily="49" charset="0"/>
+              </a:rPr>
+              <a:t>()</a:t>
+            </a:r>
+          </a:p>
+          <a:p>
+            <a:r>
+              <a:rPr lang="en-US" b="0" dirty="0">
+                <a:effectLst/>
+                <a:latin typeface="Consolas" panose="020B0609020204030204" pitchFamily="49" charset="0"/>
+              </a:rPr>
+              <a:t>returns trigger</a:t>
+            </a:r>
+          </a:p>
+          <a:p>
+            <a:r>
+              <a:rPr lang="en-US" b="0" dirty="0">
+                <a:effectLst/>
+                <a:latin typeface="Consolas" panose="020B0609020204030204" pitchFamily="49" charset="0"/>
+              </a:rPr>
+              <a:t>language </a:t>
+            </a:r>
+            <a:r>
+              <a:rPr lang="en-US" b="0" dirty="0" err="1">
+                <a:effectLst/>
+                <a:latin typeface="Consolas" panose="020B0609020204030204" pitchFamily="49" charset="0"/>
+              </a:rPr>
+              <a:t>plpgsql</a:t>
+            </a:r>
+            <a:endParaRPr lang="en-US" b="0" dirty="0">
+              <a:effectLst/>
+              <a:latin typeface="Consolas" panose="020B0609020204030204" pitchFamily="49" charset="0"/>
+            </a:endParaRPr>
+          </a:p>
+          <a:p>
+            <a:r>
+              <a:rPr lang="en-US" b="0" dirty="0">
+                <a:effectLst/>
+                <a:latin typeface="Consolas" panose="020B0609020204030204" pitchFamily="49" charset="0"/>
+              </a:rPr>
+              <a:t>as $$</a:t>
+            </a:r>
+          </a:p>
+          <a:p>
+            <a:r>
+              <a:rPr lang="en-US" b="0" dirty="0">
+                <a:effectLst/>
+                <a:latin typeface="Consolas" panose="020B0609020204030204" pitchFamily="49" charset="0"/>
+              </a:rPr>
+              <a:t>begin</a:t>
+            </a:r>
+          </a:p>
+          <a:p>
+            <a:r>
+              <a:rPr lang="en-US" b="0" dirty="0">
+                <a:effectLst/>
+                <a:latin typeface="Consolas" panose="020B0609020204030204" pitchFamily="49" charset="0"/>
+              </a:rPr>
+              <a:t>  update accounts</a:t>
+            </a:r>
+          </a:p>
+          <a:p>
+            <a:r>
+              <a:rPr lang="en-US" b="0" dirty="0">
+                <a:effectLst/>
+                <a:latin typeface="Consolas" panose="020B0609020204030204" pitchFamily="49" charset="0"/>
+              </a:rPr>
+              <a:t>  set balance = balance + </a:t>
+            </a:r>
+            <a:r>
+              <a:rPr lang="en-US" b="0" dirty="0" err="1">
+                <a:effectLst/>
+                <a:latin typeface="Consolas" panose="020B0609020204030204" pitchFamily="49" charset="0"/>
+              </a:rPr>
+              <a:t>new.amount</a:t>
+            </a:r>
+            <a:endParaRPr lang="en-US" b="0" dirty="0">
+              <a:effectLst/>
+              <a:latin typeface="Consolas" panose="020B0609020204030204" pitchFamily="49" charset="0"/>
+            </a:endParaRPr>
+          </a:p>
+          <a:p>
+            <a:r>
+              <a:rPr lang="en-US" b="0" dirty="0">
+                <a:effectLst/>
+                <a:latin typeface="Consolas" panose="020B0609020204030204" pitchFamily="49" charset="0"/>
+              </a:rPr>
+              <a:t>  where id = </a:t>
+            </a:r>
+            <a:r>
+              <a:rPr lang="en-US" b="0" dirty="0" err="1">
+                <a:effectLst/>
+                <a:latin typeface="Consolas" panose="020B0609020204030204" pitchFamily="49" charset="0"/>
+              </a:rPr>
+              <a:t>new.receiver_id</a:t>
+            </a:r>
+            <a:r>
+              <a:rPr lang="en-US" b="0" dirty="0">
+                <a:effectLst/>
+                <a:latin typeface="Consolas" panose="020B0609020204030204" pitchFamily="49" charset="0"/>
+              </a:rPr>
+              <a:t>;</a:t>
+            </a:r>
+          </a:p>
+          <a:p>
+            <a:r>
+              <a:rPr lang="en-US" b="0" dirty="0">
+                <a:effectLst/>
+                <a:latin typeface="Consolas" panose="020B0609020204030204" pitchFamily="49" charset="0"/>
+              </a:rPr>
+              <a:t>  update accounts</a:t>
+            </a:r>
+          </a:p>
+          <a:p>
+            <a:r>
+              <a:rPr lang="en-US" b="0" dirty="0">
+                <a:effectLst/>
+                <a:latin typeface="Consolas" panose="020B0609020204030204" pitchFamily="49" charset="0"/>
+              </a:rPr>
+              <a:t>  set balance = balance - </a:t>
+            </a:r>
+            <a:r>
+              <a:rPr lang="en-US" b="0" dirty="0" err="1">
+                <a:effectLst/>
+                <a:latin typeface="Consolas" panose="020B0609020204030204" pitchFamily="49" charset="0"/>
+              </a:rPr>
+              <a:t>new.amount</a:t>
+            </a:r>
+            <a:endParaRPr lang="en-US" b="0" dirty="0">
+              <a:effectLst/>
+              <a:latin typeface="Consolas" panose="020B0609020204030204" pitchFamily="49" charset="0"/>
+            </a:endParaRPr>
+          </a:p>
+          <a:p>
+            <a:r>
+              <a:rPr lang="en-US" b="0" dirty="0">
+                <a:effectLst/>
+                <a:latin typeface="Consolas" panose="020B0609020204030204" pitchFamily="49" charset="0"/>
+              </a:rPr>
+              <a:t>  where id = </a:t>
+            </a:r>
+            <a:r>
+              <a:rPr lang="en-US" b="0" dirty="0" err="1">
+                <a:effectLst/>
+                <a:latin typeface="Consolas" panose="020B0609020204030204" pitchFamily="49" charset="0"/>
+              </a:rPr>
+              <a:t>new.sender_id</a:t>
+            </a:r>
+            <a:r>
+              <a:rPr lang="en-US" b="0" dirty="0">
+                <a:effectLst/>
+                <a:latin typeface="Consolas" panose="020B0609020204030204" pitchFamily="49" charset="0"/>
+              </a:rPr>
+              <a:t>;</a:t>
+            </a:r>
+          </a:p>
+          <a:p>
+            <a:r>
+              <a:rPr lang="en-US" b="0" dirty="0">
+                <a:effectLst/>
+                <a:latin typeface="Consolas" panose="020B0609020204030204" pitchFamily="49" charset="0"/>
+              </a:rPr>
+              <a:t>  return new;</a:t>
+            </a:r>
+          </a:p>
+          <a:p>
+            <a:r>
+              <a:rPr lang="en-US" b="0" dirty="0">
+                <a:effectLst/>
+                <a:latin typeface="Consolas" panose="020B0609020204030204" pitchFamily="49" charset="0"/>
+              </a:rPr>
+              <a:t>end;</a:t>
+            </a:r>
+          </a:p>
+          <a:p>
+            <a:r>
+              <a:rPr lang="en-US" b="0" dirty="0">
+                <a:effectLst/>
+                <a:latin typeface="Consolas" panose="020B0609020204030204" pitchFamily="49" charset="0"/>
+              </a:rPr>
+              <a:t>$$;</a:t>
+            </a:r>
+          </a:p>
+          <a:p>
+            <a:br>
+              <a:rPr lang="en-US" b="0" dirty="0">
+                <a:effectLst/>
+                <a:latin typeface="Consolas" panose="020B0609020204030204" pitchFamily="49" charset="0"/>
+              </a:rPr>
+            </a:br>
+            <a:r>
+              <a:rPr lang="en-US" b="0" dirty="0">
+                <a:effectLst/>
+                <a:latin typeface="Consolas" panose="020B0609020204030204" pitchFamily="49" charset="0"/>
+              </a:rPr>
+              <a:t>create or replace trigger </a:t>
+            </a:r>
+            <a:r>
+              <a:rPr lang="en-US" b="0" dirty="0" err="1">
+                <a:effectLst/>
+                <a:latin typeface="Consolas" panose="020B0609020204030204" pitchFamily="49" charset="0"/>
+              </a:rPr>
+              <a:t>account_update_trigger</a:t>
+            </a:r>
+            <a:endParaRPr lang="en-US" b="0" dirty="0">
+              <a:effectLst/>
+              <a:latin typeface="Consolas" panose="020B0609020204030204" pitchFamily="49" charset="0"/>
+            </a:endParaRPr>
+          </a:p>
+          <a:p>
+            <a:r>
+              <a:rPr lang="en-US" b="0" dirty="0">
+                <a:effectLst/>
+                <a:latin typeface="Consolas" panose="020B0609020204030204" pitchFamily="49" charset="0"/>
+              </a:rPr>
+              <a:t>after insert on transactions</a:t>
+            </a:r>
+          </a:p>
+          <a:p>
+            <a:r>
+              <a:rPr lang="en-US" b="0" dirty="0">
+                <a:effectLst/>
+                <a:latin typeface="Consolas" panose="020B0609020204030204" pitchFamily="49" charset="0"/>
+              </a:rPr>
+              <a:t>for each row</a:t>
+            </a:r>
+          </a:p>
+          <a:p>
+            <a:r>
+              <a:rPr lang="en-US" b="0" dirty="0">
+                <a:effectLst/>
+                <a:latin typeface="Consolas" panose="020B0609020204030204" pitchFamily="49" charset="0"/>
+              </a:rPr>
+              <a:t>execute function </a:t>
+            </a:r>
+            <a:r>
+              <a:rPr lang="en-US" b="0" dirty="0" err="1">
+                <a:effectLst/>
+                <a:latin typeface="Consolas" panose="020B0609020204030204" pitchFamily="49" charset="0"/>
+              </a:rPr>
+              <a:t>update_account_balance</a:t>
+            </a:r>
+            <a:r>
+              <a:rPr lang="en-US" b="0" dirty="0">
+                <a:effectLst/>
+                <a:latin typeface="Consolas" panose="020B0609020204030204" pitchFamily="49" charset="0"/>
+              </a:rPr>
+              <a:t>();</a:t>
+            </a:r>
+          </a:p>
+          <a:p>
+            <a:br>
+              <a:rPr lang="en-US" b="0" dirty="0">
+                <a:effectLst/>
+                <a:latin typeface="Consolas" panose="020B0609020204030204" pitchFamily="49" charset="0"/>
+              </a:rPr>
+            </a:br>
+            <a:endParaRPr lang="en-US" b="0" dirty="0">
+              <a:effectLst/>
+              <a:latin typeface="Consolas" panose="020B0609020204030204" pitchFamily="49" charset="0"/>
+            </a:endParaRPr>
+          </a:p>
+        </p:txBody>
+      </p:sp>
+    </p:spTree>
+    <p:extLst>
+      <p:ext uri="{BB962C8B-B14F-4D97-AF65-F5344CB8AC3E}">
+        <p14:creationId xmlns:p14="http://schemas.microsoft.com/office/powerpoint/2010/main" val="2335286424"/>
       </p:ext>
     </p:extLst>
   </p:cSld>
@@ -7567,6 +8005,66 @@
       </p:grpSpPr>
       <p:pic>
         <p:nvPicPr>
+          <p:cNvPr id="5" name="Grafik 4">
+            <a:extLst>
+              <a:ext uri="{FF2B5EF4-FFF2-40B4-BE49-F238E27FC236}">
+                <a16:creationId xmlns:a16="http://schemas.microsoft.com/office/drawing/2014/main" id="{AAA07AA8-6C6B-0F49-DEB9-623926982D18}"/>
+              </a:ext>
+            </a:extLst>
+          </p:cNvPr>
+          <p:cNvPicPr>
+            <a:picLocks noChangeAspect="1"/>
+          </p:cNvPicPr>
+          <p:nvPr/>
+        </p:nvPicPr>
+        <p:blipFill>
+          <a:blip r:embed="rId2"/>
+          <a:stretch>
+            <a:fillRect/>
+          </a:stretch>
+        </p:blipFill>
+        <p:spPr>
+          <a:xfrm>
+            <a:off x="2063630" y="524462"/>
+            <a:ext cx="7869654" cy="5886170"/>
+          </a:xfrm>
+          <a:prstGeom prst="rect">
+            <a:avLst/>
+          </a:prstGeom>
+        </p:spPr>
+      </p:pic>
+    </p:spTree>
+    <p:extLst>
+      <p:ext uri="{BB962C8B-B14F-4D97-AF65-F5344CB8AC3E}">
+        <p14:creationId xmlns:p14="http://schemas.microsoft.com/office/powerpoint/2010/main" val="3234328843"/>
+      </p:ext>
+    </p:extLst>
+  </p:cSld>
+  <p:clrMapOvr>
+    <a:masterClrMapping/>
+  </p:clrMapOvr>
+</p:sld>
+</file>
+
+<file path=ppt/slides/slide4.xml><?xml version="1.0" encoding="utf-8"?>
+<p:sld xmlns:a="http://schemas.openxmlformats.org/drawingml/2006/main" xmlns:r="http://schemas.openxmlformats.org/officeDocument/2006/relationships" xmlns:p="http://schemas.openxmlformats.org/presentationml/2006/main">
+  <p:cSld>
+    <p:spTree>
+      <p:nvGrpSpPr>
+        <p:cNvPr id="1" name=""/>
+        <p:cNvGrpSpPr/>
+        <p:nvPr/>
+      </p:nvGrpSpPr>
+      <p:grpSpPr>
+        <a:xfrm>
+          <a:off x="0" y="0"/>
+          <a:ext cx="0" cy="0"/>
+          <a:chOff x="0" y="0"/>
+          <a:chExt cx="0" cy="0"/>
+        </a:xfrm>
+      </p:grpSpPr>
+      <p:pic>
+        <p:nvPicPr>
           <p:cNvPr id="1026" name="Picture 2" descr="mvc--2-">
             <a:extLst>
               <a:ext uri="{FF2B5EF4-FFF2-40B4-BE49-F238E27FC236}">
@@ -7653,7 +8151,117 @@
 </p:sld>
 </file>
 
-<file path=ppt/slides/slide4.xml><?xml version="1.0" encoding="utf-8"?>
+<file path=ppt/slides/slide5.xml><?xml version="1.0" encoding="utf-8"?>
+<p:sld xmlns:a="http://schemas.openxmlformats.org/drawingml/2006/main" xmlns:r="http://schemas.openxmlformats.org/officeDocument/2006/relationships" xmlns:p="http://schemas.openxmlformats.org/presentationml/2006/main">
+  <p:cSld>
+    <p:spTree>
+      <p:nvGrpSpPr>
+        <p:cNvPr id="1" name=""/>
+        <p:cNvGrpSpPr/>
+        <p:nvPr/>
+      </p:nvGrpSpPr>
+      <p:grpSpPr>
+        <a:xfrm>
+          <a:off x="0" y="0"/>
+          <a:ext cx="0" cy="0"/>
+          <a:chOff x="0" y="0"/>
+          <a:chExt cx="0" cy="0"/>
+        </a:xfrm>
+      </p:grpSpPr>
+      <p:sp>
+        <p:nvSpPr>
+          <p:cNvPr id="2" name="Titel 1">
+            <a:extLst>
+              <a:ext uri="{FF2B5EF4-FFF2-40B4-BE49-F238E27FC236}">
+                <a16:creationId xmlns:a16="http://schemas.microsoft.com/office/drawing/2014/main" id="{B90C5D32-75AB-43E2-31E5-95352D622437}"/>
+              </a:ext>
+            </a:extLst>
+          </p:cNvPr>
+          <p:cNvSpPr>
+            <a:spLocks noGrp="1"/>
+          </p:cNvSpPr>
+          <p:nvPr>
+            <p:ph type="title"/>
+          </p:nvPr>
+        </p:nvSpPr>
+        <p:spPr/>
+        <p:txBody>
+          <a:bodyPr/>
+          <a:lstStyle/>
+          <a:p>
+            <a:endParaRPr lang="de-AT"/>
+          </a:p>
+        </p:txBody>
+      </p:sp>
+      <p:sp>
+        <p:nvSpPr>
+          <p:cNvPr id="3" name="Inhaltsplatzhalter 2">
+            <a:extLst>
+              <a:ext uri="{FF2B5EF4-FFF2-40B4-BE49-F238E27FC236}">
+                <a16:creationId xmlns:a16="http://schemas.microsoft.com/office/drawing/2014/main" id="{E0EC3B85-36B9-03DA-ACE5-BE47AEACBFFA}"/>
+              </a:ext>
+            </a:extLst>
+          </p:cNvPr>
+          <p:cNvSpPr>
+            <a:spLocks noGrp="1"/>
+          </p:cNvSpPr>
+          <p:nvPr>
+            <p:ph idx="1"/>
+          </p:nvPr>
+        </p:nvSpPr>
+        <p:spPr/>
+        <p:txBody>
+          <a:bodyPr/>
+          <a:lstStyle/>
+          <a:p>
+            <a:endParaRPr lang="de-AT"/>
+          </a:p>
+        </p:txBody>
+      </p:sp>
+      <p:pic>
+        <p:nvPicPr>
+          <p:cNvPr id="5" name="Grafik 4">
+            <a:extLst>
+              <a:ext uri="{FF2B5EF4-FFF2-40B4-BE49-F238E27FC236}">
+                <a16:creationId xmlns:a16="http://schemas.microsoft.com/office/drawing/2014/main" id="{E7EB7C9B-5FCF-AA3E-5D3D-2299BFA7ADB0}"/>
+              </a:ext>
+            </a:extLst>
+          </p:cNvPr>
+          <p:cNvPicPr>
+            <a:picLocks noChangeAspect="1"/>
+          </p:cNvPicPr>
+          <p:nvPr/>
+        </p:nvPicPr>
+        <p:blipFill>
+          <a:blip r:embed="rId2"/>
+          <a:stretch>
+            <a:fillRect/>
+          </a:stretch>
+        </p:blipFill>
+        <p:spPr>
+          <a:xfrm>
+            <a:off x="1058743" y="525528"/>
+            <a:ext cx="10074513" cy="5806943"/>
+          </a:xfrm>
+          <a:prstGeom prst="rect">
+            <a:avLst/>
+          </a:prstGeom>
+        </p:spPr>
+      </p:pic>
+    </p:spTree>
+    <p:extLst>
+      <p:ext uri="{BB962C8B-B14F-4D97-AF65-F5344CB8AC3E}">
+        <p14:creationId xmlns:p14="http://schemas.microsoft.com/office/powerpoint/2010/main" val="3952171125"/>
+      </p:ext>
+    </p:extLst>
+  </p:cSld>
+  <p:clrMapOvr>
+    <a:masterClrMapping/>
+  </p:clrMapOvr>
+</p:sld>
+</file>
+
+<file path=ppt/slides/slide6.xml><?xml version="1.0" encoding="utf-8"?>
 <p:sld xmlns:a="http://schemas.openxmlformats.org/drawingml/2006/main" xmlns:r="http://schemas.openxmlformats.org/officeDocument/2006/relationships" xmlns:p="http://schemas.openxmlformats.org/presentationml/2006/main">
   <p:cSld>
     <p:spTree>
@@ -7741,7 +8349,7 @@
 </p:sld>
 </file>
 
-<file path=ppt/slides/slide5.xml><?xml version="1.0" encoding="utf-8"?>
+<file path=ppt/slides/slide7.xml><?xml version="1.0" encoding="utf-8"?>
 <p:sld xmlns:a="http://schemas.openxmlformats.org/drawingml/2006/main" xmlns:r="http://schemas.openxmlformats.org/officeDocument/2006/relationships" xmlns:p="http://schemas.openxmlformats.org/presentationml/2006/main">
   <p:cSld>
     <p:spTree>
@@ -7801,7 +8409,7 @@
 </p:sld>
 </file>
 
-<file path=ppt/slides/slide6.xml><?xml version="1.0" encoding="utf-8"?>
+<file path=ppt/slides/slide8.xml><?xml version="1.0" encoding="utf-8"?>
 <p:sld xmlns:a="http://schemas.openxmlformats.org/drawingml/2006/main" xmlns:r="http://schemas.openxmlformats.org/officeDocument/2006/relationships" xmlns:p="http://schemas.openxmlformats.org/presentationml/2006/main">
   <p:cSld>
     <p:spTree>
@@ -7911,7 +8519,7 @@
 </p:sld>
 </file>
 
-<file path=ppt/slides/slide7.xml><?xml version="1.0" encoding="utf-8"?>
+<file path=ppt/slides/slide9.xml><?xml version="1.0" encoding="utf-8"?>
 <p:sld xmlns:a="http://schemas.openxmlformats.org/drawingml/2006/main" xmlns:r="http://schemas.openxmlformats.org/officeDocument/2006/relationships" xmlns:p="http://schemas.openxmlformats.org/presentationml/2006/main">
   <p:cSld>
     <p:spTree>
@@ -8012,96 +8620,6 @@
     <p:extLst>
       <p:ext uri="{BB962C8B-B14F-4D97-AF65-F5344CB8AC3E}">
         <p14:creationId xmlns:p14="http://schemas.microsoft.com/office/powerpoint/2010/main" val="451563274"/>
-      </p:ext>
-    </p:extLst>
-  </p:cSld>
-  <p:clrMapOvr>
-    <a:masterClrMapping/>
-  </p:clrMapOvr>
-</p:sld>
-</file>
-
-<file path=ppt/slides/slide8.xml><?xml version="1.0" encoding="utf-8"?>
-<p:sld xmlns:a="http://schemas.openxmlformats.org/drawingml/2006/main" xmlns:r="http://schemas.openxmlformats.org/officeDocument/2006/relationships" xmlns:p="http://schemas.openxmlformats.org/presentationml/2006/main">
-  <p:cSld>
-    <p:spTree>
-      <p:nvGrpSpPr>
-        <p:cNvPr id="1" name=""/>
-        <p:cNvGrpSpPr/>
-        <p:nvPr/>
-      </p:nvGrpSpPr>
-      <p:grpSpPr>
-        <a:xfrm>
-          <a:off x="0" y="0"/>
-          <a:ext cx="0" cy="0"/>
-          <a:chOff x="0" y="0"/>
-          <a:chExt cx="0" cy="0"/>
-        </a:xfrm>
-      </p:grpSpPr>
-      <p:pic>
-        <p:nvPicPr>
-          <p:cNvPr id="9" name="Grafik 8">
-            <a:extLst>
-              <a:ext uri="{FF2B5EF4-FFF2-40B4-BE49-F238E27FC236}">
-                <a16:creationId xmlns:a16="http://schemas.microsoft.com/office/drawing/2014/main" id="{8E61344D-101E-1358-EDCE-243A1B901354}"/>
-              </a:ext>
-            </a:extLst>
-          </p:cNvPr>
-          <p:cNvPicPr>
-            <a:picLocks noChangeAspect="1"/>
-          </p:cNvPicPr>
-          <p:nvPr/>
-        </p:nvPicPr>
-        <p:blipFill>
-          <a:blip r:embed="rId2"/>
-          <a:stretch>
-            <a:fillRect/>
-          </a:stretch>
-        </p:blipFill>
-        <p:spPr>
-          <a:xfrm>
-            <a:off x="819356" y="364116"/>
-            <a:ext cx="3749365" cy="2187130"/>
-          </a:xfrm>
-          <a:prstGeom prst="rect">
-            <a:avLst/>
-          </a:prstGeom>
-        </p:spPr>
-      </p:pic>
-      <p:pic>
-        <p:nvPicPr>
-          <p:cNvPr id="11" name="Grafik 10">
-            <a:extLst>
-              <a:ext uri="{FF2B5EF4-FFF2-40B4-BE49-F238E27FC236}">
-                <a16:creationId xmlns:a16="http://schemas.microsoft.com/office/drawing/2014/main" id="{79C6001B-E5EB-E4D1-69A2-67241B210A40}"/>
-              </a:ext>
-            </a:extLst>
-          </p:cNvPr>
-          <p:cNvPicPr>
-            <a:picLocks noChangeAspect="1"/>
-          </p:cNvPicPr>
-          <p:nvPr/>
-        </p:nvPicPr>
-        <p:blipFill>
-          <a:blip r:embed="rId3"/>
-          <a:stretch>
-            <a:fillRect/>
-          </a:stretch>
-        </p:blipFill>
-        <p:spPr>
-          <a:xfrm>
-            <a:off x="5520909" y="364116"/>
-            <a:ext cx="5728043" cy="6129768"/>
-          </a:xfrm>
-          <a:prstGeom prst="rect">
-            <a:avLst/>
-          </a:prstGeom>
-        </p:spPr>
-      </p:pic>
-    </p:spTree>
-    <p:extLst>
-      <p:ext uri="{BB962C8B-B14F-4D97-AF65-F5344CB8AC3E}">
-        <p14:creationId xmlns:p14="http://schemas.microsoft.com/office/powerpoint/2010/main" val="3780622553"/>
       </p:ext>
     </p:extLst>
   </p:cSld>

--- a/accounts-architecture.pptx
+++ b/accounts-architecture.pptx
@@ -13,9 +13,10 @@
     <p:sldId id="259" r:id="rId7"/>
     <p:sldId id="260" r:id="rId8"/>
     <p:sldId id="261" r:id="rId9"/>
-    <p:sldId id="263" r:id="rId10"/>
-    <p:sldId id="262" r:id="rId11"/>
-    <p:sldId id="264" r:id="rId12"/>
+    <p:sldId id="267" r:id="rId10"/>
+    <p:sldId id="263" r:id="rId11"/>
+    <p:sldId id="262" r:id="rId12"/>
+    <p:sldId id="264" r:id="rId13"/>
   </p:sldIdLst>
   <p:sldSz cx="12192000" cy="6858000"/>
   <p:notesSz cx="6858000" cy="9144000"/>
@@ -2989,7 +2990,7 @@
           <a:p>
             <a:fld id="{601E263F-6020-4FE7-B9A2-7F17B26A545F}" type="datetimeFigureOut">
               <a:rPr lang="de-AT" smtClean="0"/>
-              <a:t>29.04.2024</a:t>
+              <a:t>30.04.2024</a:t>
             </a:fld>
             <a:endParaRPr lang="de-AT"/>
           </a:p>
@@ -3189,7 +3190,7 @@
           <a:p>
             <a:fld id="{601E263F-6020-4FE7-B9A2-7F17B26A545F}" type="datetimeFigureOut">
               <a:rPr lang="de-AT" smtClean="0"/>
-              <a:t>29.04.2024</a:t>
+              <a:t>30.04.2024</a:t>
             </a:fld>
             <a:endParaRPr lang="de-AT"/>
           </a:p>
@@ -3399,7 +3400,7 @@
           <a:p>
             <a:fld id="{601E263F-6020-4FE7-B9A2-7F17B26A545F}" type="datetimeFigureOut">
               <a:rPr lang="de-AT" smtClean="0"/>
-              <a:t>29.04.2024</a:t>
+              <a:t>30.04.2024</a:t>
             </a:fld>
             <a:endParaRPr lang="de-AT"/>
           </a:p>
@@ -3599,7 +3600,7 @@
           <a:p>
             <a:fld id="{601E263F-6020-4FE7-B9A2-7F17B26A545F}" type="datetimeFigureOut">
               <a:rPr lang="de-AT" smtClean="0"/>
-              <a:t>29.04.2024</a:t>
+              <a:t>30.04.2024</a:t>
             </a:fld>
             <a:endParaRPr lang="de-AT"/>
           </a:p>
@@ -3875,7 +3876,7 @@
           <a:p>
             <a:fld id="{601E263F-6020-4FE7-B9A2-7F17B26A545F}" type="datetimeFigureOut">
               <a:rPr lang="de-AT" smtClean="0"/>
-              <a:t>29.04.2024</a:t>
+              <a:t>30.04.2024</a:t>
             </a:fld>
             <a:endParaRPr lang="de-AT"/>
           </a:p>
@@ -4143,7 +4144,7 @@
           <a:p>
             <a:fld id="{601E263F-6020-4FE7-B9A2-7F17B26A545F}" type="datetimeFigureOut">
               <a:rPr lang="de-AT" smtClean="0"/>
-              <a:t>29.04.2024</a:t>
+              <a:t>30.04.2024</a:t>
             </a:fld>
             <a:endParaRPr lang="de-AT"/>
           </a:p>
@@ -4558,7 +4559,7 @@
           <a:p>
             <a:fld id="{601E263F-6020-4FE7-B9A2-7F17B26A545F}" type="datetimeFigureOut">
               <a:rPr lang="de-AT" smtClean="0"/>
-              <a:t>29.04.2024</a:t>
+              <a:t>30.04.2024</a:t>
             </a:fld>
             <a:endParaRPr lang="de-AT"/>
           </a:p>
@@ -4700,7 +4701,7 @@
           <a:p>
             <a:fld id="{601E263F-6020-4FE7-B9A2-7F17B26A545F}" type="datetimeFigureOut">
               <a:rPr lang="de-AT" smtClean="0"/>
-              <a:t>29.04.2024</a:t>
+              <a:t>30.04.2024</a:t>
             </a:fld>
             <a:endParaRPr lang="de-AT"/>
           </a:p>
@@ -4813,7 +4814,7 @@
           <a:p>
             <a:fld id="{601E263F-6020-4FE7-B9A2-7F17B26A545F}" type="datetimeFigureOut">
               <a:rPr lang="de-AT" smtClean="0"/>
-              <a:t>29.04.2024</a:t>
+              <a:t>30.04.2024</a:t>
             </a:fld>
             <a:endParaRPr lang="de-AT"/>
           </a:p>
@@ -5126,7 +5127,7 @@
           <a:p>
             <a:fld id="{601E263F-6020-4FE7-B9A2-7F17B26A545F}" type="datetimeFigureOut">
               <a:rPr lang="de-AT" smtClean="0"/>
-              <a:t>29.04.2024</a:t>
+              <a:t>30.04.2024</a:t>
             </a:fld>
             <a:endParaRPr lang="de-AT"/>
           </a:p>
@@ -5415,7 +5416,7 @@
           <a:p>
             <a:fld id="{601E263F-6020-4FE7-B9A2-7F17B26A545F}" type="datetimeFigureOut">
               <a:rPr lang="de-AT" smtClean="0"/>
-              <a:t>29.04.2024</a:t>
+              <a:t>30.04.2024</a:t>
             </a:fld>
             <a:endParaRPr lang="de-AT"/>
           </a:p>
@@ -5658,7 +5659,7 @@
           <a:p>
             <a:fld id="{601E263F-6020-4FE7-B9A2-7F17B26A545F}" type="datetimeFigureOut">
               <a:rPr lang="de-AT" smtClean="0"/>
-              <a:t>29.04.2024</a:t>
+              <a:t>30.04.2024</a:t>
             </a:fld>
             <a:endParaRPr lang="de-AT"/>
           </a:p>
@@ -6193,6 +6194,116 @@
           <a:chExt cx="0" cy="0"/>
         </a:xfrm>
       </p:grpSpPr>
+      <p:sp>
+        <p:nvSpPr>
+          <p:cNvPr id="2" name="Titel 1">
+            <a:extLst>
+              <a:ext uri="{FF2B5EF4-FFF2-40B4-BE49-F238E27FC236}">
+                <a16:creationId xmlns:a16="http://schemas.microsoft.com/office/drawing/2014/main" id="{9045FE48-2AF4-29D1-B9C0-9AEF2C329DD2}"/>
+              </a:ext>
+            </a:extLst>
+          </p:cNvPr>
+          <p:cNvSpPr>
+            <a:spLocks noGrp="1"/>
+          </p:cNvSpPr>
+          <p:nvPr>
+            <p:ph type="title"/>
+          </p:nvPr>
+        </p:nvSpPr>
+        <p:spPr/>
+        <p:txBody>
+          <a:bodyPr/>
+          <a:lstStyle/>
+          <a:p>
+            <a:endParaRPr lang="de-AT"/>
+          </a:p>
+        </p:txBody>
+      </p:sp>
+      <p:sp>
+        <p:nvSpPr>
+          <p:cNvPr id="3" name="Inhaltsplatzhalter 2">
+            <a:extLst>
+              <a:ext uri="{FF2B5EF4-FFF2-40B4-BE49-F238E27FC236}">
+                <a16:creationId xmlns:a16="http://schemas.microsoft.com/office/drawing/2014/main" id="{BA90B769-24C5-F46A-6D93-E5950CBD67D1}"/>
+              </a:ext>
+            </a:extLst>
+          </p:cNvPr>
+          <p:cNvSpPr>
+            <a:spLocks noGrp="1"/>
+          </p:cNvSpPr>
+          <p:nvPr>
+            <p:ph idx="1"/>
+          </p:nvPr>
+        </p:nvSpPr>
+        <p:spPr/>
+        <p:txBody>
+          <a:bodyPr/>
+          <a:lstStyle/>
+          <a:p>
+            <a:endParaRPr lang="de-AT"/>
+          </a:p>
+        </p:txBody>
+      </p:sp>
+      <p:pic>
+        <p:nvPicPr>
+          <p:cNvPr id="5" name="Grafik 4">
+            <a:extLst>
+              <a:ext uri="{FF2B5EF4-FFF2-40B4-BE49-F238E27FC236}">
+                <a16:creationId xmlns:a16="http://schemas.microsoft.com/office/drawing/2014/main" id="{2D8E0DF7-EDD0-633B-00C1-E663E106257F}"/>
+              </a:ext>
+            </a:extLst>
+          </p:cNvPr>
+          <p:cNvPicPr>
+            <a:picLocks noChangeAspect="1"/>
+          </p:cNvPicPr>
+          <p:nvPr/>
+        </p:nvPicPr>
+        <p:blipFill>
+          <a:blip r:embed="rId2"/>
+          <a:stretch>
+            <a:fillRect/>
+          </a:stretch>
+        </p:blipFill>
+        <p:spPr>
+          <a:xfrm>
+            <a:off x="2733261" y="260670"/>
+            <a:ext cx="6725477" cy="6336660"/>
+          </a:xfrm>
+          <a:prstGeom prst="rect">
+            <a:avLst/>
+          </a:prstGeom>
+        </p:spPr>
+      </p:pic>
+    </p:spTree>
+    <p:extLst>
+      <p:ext uri="{BB962C8B-B14F-4D97-AF65-F5344CB8AC3E}">
+        <p14:creationId xmlns:p14="http://schemas.microsoft.com/office/powerpoint/2010/main" val="451563274"/>
+      </p:ext>
+    </p:extLst>
+  </p:cSld>
+  <p:clrMapOvr>
+    <a:masterClrMapping/>
+  </p:clrMapOvr>
+</p:sld>
+</file>
+
+<file path=ppt/slides/slide11.xml><?xml version="1.0" encoding="utf-8"?>
+<p:sld xmlns:a="http://schemas.openxmlformats.org/drawingml/2006/main" xmlns:r="http://schemas.openxmlformats.org/officeDocument/2006/relationships" xmlns:p="http://schemas.openxmlformats.org/presentationml/2006/main">
+  <p:cSld>
+    <p:spTree>
+      <p:nvGrpSpPr>
+        <p:cNvPr id="1" name=""/>
+        <p:cNvGrpSpPr/>
+        <p:nvPr/>
+      </p:nvGrpSpPr>
+      <p:grpSpPr>
+        <a:xfrm>
+          <a:off x="0" y="0"/>
+          <a:ext cx="0" cy="0"/>
+          <a:chOff x="0" y="0"/>
+          <a:chExt cx="0" cy="0"/>
+        </a:xfrm>
+      </p:grpSpPr>
       <p:pic>
         <p:nvPicPr>
           <p:cNvPr id="9" name="Grafik 8">
@@ -6266,7 +6377,7 @@
 </p:sld>
 </file>
 
-<file path=ppt/slides/slide11.xml><?xml version="1.0" encoding="utf-8"?>
+<file path=ppt/slides/slide12.xml><?xml version="1.0" encoding="utf-8"?>
 <p:sld xmlns:a="http://schemas.openxmlformats.org/drawingml/2006/main" xmlns:r="http://schemas.openxmlformats.org/officeDocument/2006/relationships" xmlns:p="http://schemas.openxmlformats.org/presentationml/2006/main">
   <p:cSld>
     <p:spTree>
@@ -8541,7 +8652,7 @@
           <p:cNvPr id="2" name="Titel 1">
             <a:extLst>
               <a:ext uri="{FF2B5EF4-FFF2-40B4-BE49-F238E27FC236}">
-                <a16:creationId xmlns:a16="http://schemas.microsoft.com/office/drawing/2014/main" id="{9045FE48-2AF4-29D1-B9C0-9AEF2C329DD2}"/>
+                <a16:creationId xmlns:a16="http://schemas.microsoft.com/office/drawing/2014/main" id="{71ACAB0D-D2C4-C018-40B2-0C380B9D361E}"/>
               </a:ext>
             </a:extLst>
           </p:cNvPr>
@@ -8566,7 +8677,7 @@
           <p:cNvPr id="3" name="Inhaltsplatzhalter 2">
             <a:extLst>
               <a:ext uri="{FF2B5EF4-FFF2-40B4-BE49-F238E27FC236}">
-                <a16:creationId xmlns:a16="http://schemas.microsoft.com/office/drawing/2014/main" id="{BA90B769-24C5-F46A-6D93-E5950CBD67D1}"/>
+                <a16:creationId xmlns:a16="http://schemas.microsoft.com/office/drawing/2014/main" id="{5A583932-0DDB-E7A7-9E79-7E5D4242878B}"/>
               </a:ext>
             </a:extLst>
           </p:cNvPr>
@@ -8591,7 +8702,7 @@
           <p:cNvPr id="5" name="Grafik 4">
             <a:extLst>
               <a:ext uri="{FF2B5EF4-FFF2-40B4-BE49-F238E27FC236}">
-                <a16:creationId xmlns:a16="http://schemas.microsoft.com/office/drawing/2014/main" id="{2D8E0DF7-EDD0-633B-00C1-E663E106257F}"/>
+                <a16:creationId xmlns:a16="http://schemas.microsoft.com/office/drawing/2014/main" id="{589BD229-0BA0-146F-B3B8-014E20276814}"/>
               </a:ext>
             </a:extLst>
           </p:cNvPr>
@@ -8608,8 +8719,8 @@
         </p:blipFill>
         <p:spPr>
           <a:xfrm>
-            <a:off x="2733261" y="260670"/>
-            <a:ext cx="6725477" cy="6336660"/>
+            <a:off x="76641" y="1179169"/>
+            <a:ext cx="12038718" cy="4499662"/>
           </a:xfrm>
           <a:prstGeom prst="rect">
             <a:avLst/>
@@ -8619,7 +8730,7 @@
     </p:spTree>
     <p:extLst>
       <p:ext uri="{BB962C8B-B14F-4D97-AF65-F5344CB8AC3E}">
-        <p14:creationId xmlns:p14="http://schemas.microsoft.com/office/powerpoint/2010/main" val="451563274"/>
+        <p14:creationId xmlns:p14="http://schemas.microsoft.com/office/powerpoint/2010/main" val="1985431332"/>
       </p:ext>
     </p:extLst>
   </p:cSld>
